--- a/Submitted/all_members_layout.gds.pptx
+++ b/Submitted/all_members_layout.gds.pptx
@@ -115,7 +115,7 @@
 <file path=ppt/revisionInfo.xml><?xml version="1.0" encoding="utf-8"?>
 <p1510:revInfo xmlns:a="http://schemas.openxmlformats.org/drawingml/2006/main" xmlns:r="http://schemas.openxmlformats.org/officeDocument/2006/relationships" xmlns:p1510="http://schemas.microsoft.com/office/powerpoint/2015/10/main">
   <p1510:revLst>
-    <p1510:client id="{0D468939-C473-42F4-B7BF-FD9FD8C90BA5}" v="35" dt="2024-08-12T16:40:18.300"/>
+    <p1510:client id="{0D468939-C473-42F4-B7BF-FD9FD8C90BA5}" v="36" dt="2024-08-13T15:23:22.952"/>
   </p1510:revLst>
 </p1510:revInfo>
 </file>
@@ -125,16 +125,24 @@
   <pc:docChgLst>
     <pc:chgData name="Noritsuna Imamura" userId="5b2da16fa1785921" providerId="LiveId" clId="{0D468939-C473-42F4-B7BF-FD9FD8C90BA5}"/>
     <pc:docChg chg="undo custSel addSld modSld">
-      <pc:chgData name="Noritsuna Imamura" userId="5b2da16fa1785921" providerId="LiveId" clId="{0D468939-C473-42F4-B7BF-FD9FD8C90BA5}" dt="2024-08-12T16:40:30.177" v="244" actId="14100"/>
+      <pc:chgData name="Noritsuna Imamura" userId="5b2da16fa1785921" providerId="LiveId" clId="{0D468939-C473-42F4-B7BF-FD9FD8C90BA5}" dt="2024-08-13T15:29:16.790" v="344" actId="14100"/>
       <pc:docMkLst>
         <pc:docMk/>
       </pc:docMkLst>
       <pc:sldChg chg="addSp delSp modSp new mod">
-        <pc:chgData name="Noritsuna Imamura" userId="5b2da16fa1785921" providerId="LiveId" clId="{0D468939-C473-42F4-B7BF-FD9FD8C90BA5}" dt="2024-08-12T16:40:30.177" v="244" actId="14100"/>
+        <pc:chgData name="Noritsuna Imamura" userId="5b2da16fa1785921" providerId="LiveId" clId="{0D468939-C473-42F4-B7BF-FD9FD8C90BA5}" dt="2024-08-13T15:29:16.790" v="344" actId="14100"/>
         <pc:sldMkLst>
           <pc:docMk/>
           <pc:sldMk cId="2490710203" sldId="256"/>
         </pc:sldMkLst>
+        <pc:spChg chg="add mod">
+          <ac:chgData name="Noritsuna Imamura" userId="5b2da16fa1785921" providerId="LiveId" clId="{0D468939-C473-42F4-B7BF-FD9FD8C90BA5}" dt="2024-08-13T15:27:58.861" v="333" actId="1076"/>
+          <ac:spMkLst>
+            <pc:docMk/>
+            <pc:sldMk cId="2490710203" sldId="256"/>
+            <ac:spMk id="2" creationId="{3F28E29B-6C51-FD01-24F7-7E17924019E4}"/>
+          </ac:spMkLst>
+        </pc:spChg>
         <pc:spChg chg="del">
           <ac:chgData name="Noritsuna Imamura" userId="5b2da16fa1785921" providerId="LiveId" clId="{0D468939-C473-42F4-B7BF-FD9FD8C90BA5}" dt="2024-08-08T08:28:52.955" v="2" actId="478"/>
           <ac:spMkLst>
@@ -152,7 +160,7 @@
           </ac:spMkLst>
         </pc:spChg>
         <pc:spChg chg="add mod">
-          <ac:chgData name="Noritsuna Imamura" userId="5b2da16fa1785921" providerId="LiveId" clId="{0D468939-C473-42F4-B7BF-FD9FD8C90BA5}" dt="2024-08-12T16:34:01.605" v="189" actId="13822"/>
+          <ac:chgData name="Noritsuna Imamura" userId="5b2da16fa1785921" providerId="LiveId" clId="{0D468939-C473-42F4-B7BF-FD9FD8C90BA5}" dt="2024-08-13T15:27:55.080" v="332" actId="1076"/>
           <ac:spMkLst>
             <pc:docMk/>
             <pc:sldMk cId="2490710203" sldId="256"/>
@@ -255,8 +263,8 @@
             <ac:spMk id="17" creationId="{3119BA33-B594-D575-DAC5-511E50A5742A}"/>
           </ac:spMkLst>
         </pc:spChg>
-        <pc:spChg chg="add mod">
-          <ac:chgData name="Noritsuna Imamura" userId="5b2da16fa1785921" providerId="LiveId" clId="{0D468939-C473-42F4-B7BF-FD9FD8C90BA5}" dt="2024-08-12T16:31:38.232" v="172"/>
+        <pc:spChg chg="add mod ord">
+          <ac:chgData name="Noritsuna Imamura" userId="5b2da16fa1785921" providerId="LiveId" clId="{0D468939-C473-42F4-B7BF-FD9FD8C90BA5}" dt="2024-08-13T15:26:34.254" v="319" actId="14100"/>
           <ac:spMkLst>
             <pc:docMk/>
             <pc:sldMk cId="2490710203" sldId="256"/>
@@ -264,7 +272,7 @@
           </ac:spMkLst>
         </pc:spChg>
         <pc:spChg chg="add mod">
-          <ac:chgData name="Noritsuna Imamura" userId="5b2da16fa1785921" providerId="LiveId" clId="{0D468939-C473-42F4-B7BF-FD9FD8C90BA5}" dt="2024-08-12T16:32:14.627" v="180"/>
+          <ac:chgData name="Noritsuna Imamura" userId="5b2da16fa1785921" providerId="LiveId" clId="{0D468939-C473-42F4-B7BF-FD9FD8C90BA5}" dt="2024-08-13T15:28:34.441" v="338" actId="14100"/>
           <ac:spMkLst>
             <pc:docMk/>
             <pc:sldMk cId="2490710203" sldId="256"/>
@@ -280,7 +288,7 @@
           </ac:spMkLst>
         </pc:spChg>
         <pc:spChg chg="add mod">
-          <ac:chgData name="Noritsuna Imamura" userId="5b2da16fa1785921" providerId="LiveId" clId="{0D468939-C473-42F4-B7BF-FD9FD8C90BA5}" dt="2024-08-12T16:36:59.879" v="228" actId="14100"/>
+          <ac:chgData name="Noritsuna Imamura" userId="5b2da16fa1785921" providerId="LiveId" clId="{0D468939-C473-42F4-B7BF-FD9FD8C90BA5}" dt="2024-08-13T15:29:07.019" v="342" actId="14100"/>
           <ac:spMkLst>
             <pc:docMk/>
             <pc:sldMk cId="2490710203" sldId="256"/>
@@ -288,7 +296,7 @@
           </ac:spMkLst>
         </pc:spChg>
         <pc:spChg chg="add mod ord">
-          <ac:chgData name="Noritsuna Imamura" userId="5b2da16fa1785921" providerId="LiveId" clId="{0D468939-C473-42F4-B7BF-FD9FD8C90BA5}" dt="2024-08-12T16:38:22.707" v="238" actId="14100"/>
+          <ac:chgData name="Noritsuna Imamura" userId="5b2da16fa1785921" providerId="LiveId" clId="{0D468939-C473-42F4-B7BF-FD9FD8C90BA5}" dt="2024-08-13T15:29:16.790" v="344" actId="14100"/>
           <ac:spMkLst>
             <pc:docMk/>
             <pc:sldMk cId="2490710203" sldId="256"/>
@@ -296,7 +304,7 @@
           </ac:spMkLst>
         </pc:spChg>
         <pc:spChg chg="add mod">
-          <ac:chgData name="Noritsuna Imamura" userId="5b2da16fa1785921" providerId="LiveId" clId="{0D468939-C473-42F4-B7BF-FD9FD8C90BA5}" dt="2024-08-12T16:40:30.177" v="244" actId="14100"/>
+          <ac:chgData name="Noritsuna Imamura" userId="5b2da16fa1785921" providerId="LiveId" clId="{0D468939-C473-42F4-B7BF-FD9FD8C90BA5}" dt="2024-08-13T15:25:42.104" v="307" actId="14100"/>
           <ac:spMkLst>
             <pc:docMk/>
             <pc:sldMk cId="2490710203" sldId="256"/>
@@ -304,7 +312,7 @@
           </ac:spMkLst>
         </pc:spChg>
         <pc:spChg chg="add mod">
-          <ac:chgData name="Noritsuna Imamura" userId="5b2da16fa1785921" providerId="LiveId" clId="{0D468939-C473-42F4-B7BF-FD9FD8C90BA5}" dt="2024-08-12T16:36:51.547" v="226" actId="14100"/>
+          <ac:chgData name="Noritsuna Imamura" userId="5b2da16fa1785921" providerId="LiveId" clId="{0D468939-C473-42F4-B7BF-FD9FD8C90BA5}" dt="2024-08-13T15:28:49.918" v="339" actId="1076"/>
           <ac:spMkLst>
             <pc:docMk/>
             <pc:sldMk cId="2490710203" sldId="256"/>
@@ -319,12 +327,28 @@
             <ac:picMk id="3" creationId="{1B21FAEC-771F-1A9C-312E-A7FDACF058C6}"/>
           </ac:picMkLst>
         </pc:picChg>
+        <pc:picChg chg="del">
+          <ac:chgData name="Noritsuna Imamura" userId="5b2da16fa1785921" providerId="LiveId" clId="{0D468939-C473-42F4-B7BF-FD9FD8C90BA5}" dt="2024-08-13T15:16:19.509" v="245" actId="478"/>
+          <ac:picMkLst>
+            <pc:docMk/>
+            <pc:sldMk cId="2490710203" sldId="256"/>
+            <ac:picMk id="3" creationId="{7EEFB22F-0FA4-B723-00E2-4EEB1EE3C96A}"/>
+          </ac:picMkLst>
+        </pc:picChg>
         <pc:picChg chg="add del mod">
           <ac:chgData name="Noritsuna Imamura" userId="5b2da16fa1785921" providerId="LiveId" clId="{0D468939-C473-42F4-B7BF-FD9FD8C90BA5}" dt="2024-08-12T16:19:36.648" v="79" actId="478"/>
           <ac:picMkLst>
             <pc:docMk/>
             <pc:sldMk cId="2490710203" sldId="256"/>
             <ac:picMk id="5" creationId="{0E2B42BD-7F98-E9A5-4B5F-9BBB12E25F31}"/>
+          </ac:picMkLst>
+        </pc:picChg>
+        <pc:picChg chg="add ord">
+          <ac:chgData name="Noritsuna Imamura" userId="5b2da16fa1785921" providerId="LiveId" clId="{0D468939-C473-42F4-B7BF-FD9FD8C90BA5}" dt="2024-08-13T15:16:24.161" v="247" actId="167"/>
+          <ac:picMkLst>
+            <pc:docMk/>
+            <pc:sldMk cId="2490710203" sldId="256"/>
+            <ac:picMk id="5" creationId="{18F7B2A2-43E9-B8F4-934C-2CDA8748D008}"/>
           </ac:picMkLst>
         </pc:picChg>
         <pc:picChg chg="add mod ord">
@@ -488,7 +512,7 @@
           <a:p>
             <a:fld id="{0053FBD2-6076-4FAC-9771-51767AF64FAC}" type="datetimeFigureOut">
               <a:rPr kumimoji="1" lang="ja-JP" altLang="en-US" smtClean="0"/>
-              <a:t>2024/8/13</a:t>
+              <a:t>2024/8/14</a:t>
             </a:fld>
             <a:endParaRPr kumimoji="1" lang="ja-JP" altLang="en-US"/>
           </a:p>
@@ -718,7 +742,7 @@
           <a:p>
             <a:fld id="{0053FBD2-6076-4FAC-9771-51767AF64FAC}" type="datetimeFigureOut">
               <a:rPr kumimoji="1" lang="ja-JP" altLang="en-US" smtClean="0"/>
-              <a:t>2024/8/13</a:t>
+              <a:t>2024/8/14</a:t>
             </a:fld>
             <a:endParaRPr kumimoji="1" lang="ja-JP" altLang="en-US"/>
           </a:p>
@@ -958,7 +982,7 @@
           <a:p>
             <a:fld id="{0053FBD2-6076-4FAC-9771-51767AF64FAC}" type="datetimeFigureOut">
               <a:rPr kumimoji="1" lang="ja-JP" altLang="en-US" smtClean="0"/>
-              <a:t>2024/8/13</a:t>
+              <a:t>2024/8/14</a:t>
             </a:fld>
             <a:endParaRPr kumimoji="1" lang="ja-JP" altLang="en-US"/>
           </a:p>
@@ -1188,7 +1212,7 @@
           <a:p>
             <a:fld id="{0053FBD2-6076-4FAC-9771-51767AF64FAC}" type="datetimeFigureOut">
               <a:rPr kumimoji="1" lang="ja-JP" altLang="en-US" smtClean="0"/>
-              <a:t>2024/8/13</a:t>
+              <a:t>2024/8/14</a:t>
             </a:fld>
             <a:endParaRPr kumimoji="1" lang="ja-JP" altLang="en-US"/>
           </a:p>
@@ -1463,7 +1487,7 @@
           <a:p>
             <a:fld id="{0053FBD2-6076-4FAC-9771-51767AF64FAC}" type="datetimeFigureOut">
               <a:rPr kumimoji="1" lang="ja-JP" altLang="en-US" smtClean="0"/>
-              <a:t>2024/8/13</a:t>
+              <a:t>2024/8/14</a:t>
             </a:fld>
             <a:endParaRPr kumimoji="1" lang="ja-JP" altLang="en-US"/>
           </a:p>
@@ -1792,7 +1816,7 @@
           <a:p>
             <a:fld id="{0053FBD2-6076-4FAC-9771-51767AF64FAC}" type="datetimeFigureOut">
               <a:rPr kumimoji="1" lang="ja-JP" altLang="en-US" smtClean="0"/>
-              <a:t>2024/8/13</a:t>
+              <a:t>2024/8/14</a:t>
             </a:fld>
             <a:endParaRPr kumimoji="1" lang="ja-JP" altLang="en-US"/>
           </a:p>
@@ -2268,7 +2292,7 @@
           <a:p>
             <a:fld id="{0053FBD2-6076-4FAC-9771-51767AF64FAC}" type="datetimeFigureOut">
               <a:rPr kumimoji="1" lang="ja-JP" altLang="en-US" smtClean="0"/>
-              <a:t>2024/8/13</a:t>
+              <a:t>2024/8/14</a:t>
             </a:fld>
             <a:endParaRPr kumimoji="1" lang="ja-JP" altLang="en-US"/>
           </a:p>
@@ -2409,7 +2433,7 @@
           <a:p>
             <a:fld id="{0053FBD2-6076-4FAC-9771-51767AF64FAC}" type="datetimeFigureOut">
               <a:rPr kumimoji="1" lang="ja-JP" altLang="en-US" smtClean="0"/>
-              <a:t>2024/8/13</a:t>
+              <a:t>2024/8/14</a:t>
             </a:fld>
             <a:endParaRPr kumimoji="1" lang="ja-JP" altLang="en-US"/>
           </a:p>
@@ -2522,7 +2546,7 @@
           <a:p>
             <a:fld id="{0053FBD2-6076-4FAC-9771-51767AF64FAC}" type="datetimeFigureOut">
               <a:rPr kumimoji="1" lang="ja-JP" altLang="en-US" smtClean="0"/>
-              <a:t>2024/8/13</a:t>
+              <a:t>2024/8/14</a:t>
             </a:fld>
             <a:endParaRPr kumimoji="1" lang="ja-JP" altLang="en-US"/>
           </a:p>
@@ -2865,7 +2889,7 @@
           <a:p>
             <a:fld id="{0053FBD2-6076-4FAC-9771-51767AF64FAC}" type="datetimeFigureOut">
               <a:rPr kumimoji="1" lang="ja-JP" altLang="en-US" smtClean="0"/>
-              <a:t>2024/8/13</a:t>
+              <a:t>2024/8/14</a:t>
             </a:fld>
             <a:endParaRPr kumimoji="1" lang="ja-JP" altLang="en-US"/>
           </a:p>
@@ -3153,7 +3177,7 @@
           <a:p>
             <a:fld id="{0053FBD2-6076-4FAC-9771-51767AF64FAC}" type="datetimeFigureOut">
               <a:rPr kumimoji="1" lang="ja-JP" altLang="en-US" smtClean="0"/>
-              <a:t>2024/8/13</a:t>
+              <a:t>2024/8/14</a:t>
             </a:fld>
             <a:endParaRPr kumimoji="1" lang="ja-JP" altLang="en-US"/>
           </a:p>
@@ -3426,7 +3450,7 @@
           <a:p>
             <a:fld id="{0053FBD2-6076-4FAC-9771-51767AF64FAC}" type="datetimeFigureOut">
               <a:rPr kumimoji="1" lang="ja-JP" altLang="en-US" smtClean="0"/>
-              <a:t>2024/8/13</a:t>
+              <a:t>2024/8/14</a:t>
             </a:fld>
             <a:endParaRPr kumimoji="1" lang="ja-JP" altLang="en-US"/>
           </a:p>
@@ -3845,10 +3869,10 @@
       </p:grpSpPr>
       <p:pic>
         <p:nvPicPr>
-          <p:cNvPr id="3" name="図 2">
-            <a:extLst>
-              <a:ext uri="{FF2B5EF4-FFF2-40B4-BE49-F238E27FC236}">
-                <a16:creationId xmlns:a16="http://schemas.microsoft.com/office/drawing/2014/main" id="{7EEFB22F-0FA4-B723-00E2-4EEB1EE3C96A}"/>
+          <p:cNvPr id="5" name="図 4">
+            <a:extLst>
+              <a:ext uri="{FF2B5EF4-FFF2-40B4-BE49-F238E27FC236}">
+                <a16:creationId xmlns:a16="http://schemas.microsoft.com/office/drawing/2014/main" id="{18F7B2A2-43E9-B8F4-934C-2CDA8748D008}"/>
               </a:ext>
             </a:extLst>
           </p:cNvPr>
@@ -3865,8 +3889,8 @@
         </p:blipFill>
         <p:spPr>
           <a:xfrm>
-            <a:off x="929640" y="0"/>
-            <a:ext cx="10332720" cy="6858000"/>
+            <a:off x="380999" y="0"/>
+            <a:ext cx="11430001" cy="6858000"/>
           </a:xfrm>
           <a:prstGeom prst="rect">
             <a:avLst/>
@@ -3954,7 +3978,7 @@
         </p:nvSpPr>
         <p:spPr>
           <a:xfrm>
-            <a:off x="2944368" y="5921355"/>
+            <a:off x="3026664" y="5866065"/>
             <a:ext cx="1865376" cy="726333"/>
           </a:xfrm>
           <a:prstGeom prst="wedgeRectCallout">
@@ -4738,10 +4762,10 @@
       </p:sp>
       <p:sp>
         <p:nvSpPr>
-          <p:cNvPr id="18" name="吹き出し: 四角形 17">
-            <a:extLst>
-              <a:ext uri="{FF2B5EF4-FFF2-40B4-BE49-F238E27FC236}">
-                <a16:creationId xmlns:a16="http://schemas.microsoft.com/office/drawing/2014/main" id="{3D3F18F3-87F6-5D3E-0877-CF51BDE5850A}"/>
+          <p:cNvPr id="19" name="吹き出し: 四角形 18">
+            <a:extLst>
+              <a:ext uri="{FF2B5EF4-FFF2-40B4-BE49-F238E27FC236}">
+                <a16:creationId xmlns:a16="http://schemas.microsoft.com/office/drawing/2014/main" id="{F376286E-9989-9ABE-B0A7-01EA1C8CEBF6}"/>
               </a:ext>
             </a:extLst>
           </p:cNvPr>
@@ -4750,80 +4774,13 @@
         </p:nvSpPr>
         <p:spPr>
           <a:xfrm>
-            <a:off x="6188964" y="4366260"/>
-            <a:ext cx="1865376" cy="749808"/>
+            <a:off x="6055233" y="4781741"/>
+            <a:ext cx="1699260" cy="688086"/>
           </a:xfrm>
           <a:prstGeom prst="wedgeRectCallout">
             <a:avLst>
-              <a:gd name="adj1" fmla="val 43873"/>
-              <a:gd name="adj2" fmla="val 102744"/>
-            </a:avLst>
-          </a:prstGeom>
-        </p:spPr>
-        <p:style>
-          <a:lnRef idx="1">
-            <a:schemeClr val="accent2"/>
-          </a:lnRef>
-          <a:fillRef idx="2">
-            <a:schemeClr val="accent2"/>
-          </a:fillRef>
-          <a:effectRef idx="1">
-            <a:schemeClr val="accent2"/>
-          </a:effectRef>
-          <a:fontRef idx="minor">
-            <a:schemeClr val="dk1"/>
-          </a:fontRef>
-        </p:style>
-        <p:txBody>
-          <a:bodyPr rtlCol="0" anchor="ctr"/>
-          <a:lstStyle/>
-          <a:p>
-            <a:pPr algn="ctr"/>
-            <a:r>
-              <a:rPr kumimoji="1" lang="en-US" altLang="ja-JP" dirty="0"/>
-              <a:t>yato-Neco</a:t>
-            </a:r>
-            <a:r>
-              <a:rPr kumimoji="1" lang="ja-JP" altLang="en-US" dirty="0"/>
-              <a:t>作</a:t>
-            </a:r>
-            <a:endParaRPr kumimoji="1" lang="en-US" altLang="ja-JP" dirty="0"/>
-          </a:p>
-          <a:p>
-            <a:pPr algn="ctr"/>
-            <a:r>
-              <a:rPr lang="en-US" altLang="ja-JP" dirty="0"/>
-              <a:t>Inverter</a:t>
-            </a:r>
-            <a:r>
-              <a:rPr lang="ja-JP" altLang="en-US" dirty="0"/>
-              <a:t>回路</a:t>
-            </a:r>
-            <a:endParaRPr kumimoji="1" lang="ja-JP" altLang="en-US" dirty="0"/>
-          </a:p>
-        </p:txBody>
-      </p:sp>
-      <p:sp>
-        <p:nvSpPr>
-          <p:cNvPr id="19" name="吹き出し: 四角形 18">
-            <a:extLst>
-              <a:ext uri="{FF2B5EF4-FFF2-40B4-BE49-F238E27FC236}">
-                <a16:creationId xmlns:a16="http://schemas.microsoft.com/office/drawing/2014/main" id="{F376286E-9989-9ABE-B0A7-01EA1C8CEBF6}"/>
-              </a:ext>
-            </a:extLst>
-          </p:cNvPr>
-          <p:cNvSpPr/>
-          <p:nvPr/>
-        </p:nvSpPr>
-        <p:spPr>
-          <a:xfrm>
-            <a:off x="4230623" y="4366260"/>
-            <a:ext cx="1865376" cy="749808"/>
-          </a:xfrm>
-          <a:prstGeom prst="wedgeRectCallout">
-            <a:avLst>
-              <a:gd name="adj1" fmla="val 81128"/>
-              <a:gd name="adj2" fmla="val 103964"/>
+              <a:gd name="adj1" fmla="val -8021"/>
+              <a:gd name="adj2" fmla="val 66285"/>
             </a:avLst>
           </a:prstGeom>
         </p:spPr>
@@ -4951,13 +4908,13 @@
         </p:nvSpPr>
         <p:spPr>
           <a:xfrm>
-            <a:off x="4759453" y="2418017"/>
-            <a:ext cx="1865376" cy="749808"/>
+            <a:off x="4984241" y="2257766"/>
+            <a:ext cx="1533145" cy="546926"/>
           </a:xfrm>
           <a:prstGeom prst="wedgeRectCallout">
             <a:avLst>
-              <a:gd name="adj1" fmla="val 61826"/>
-              <a:gd name="adj2" fmla="val -80072"/>
+              <a:gd name="adj1" fmla="val 76965"/>
+              <a:gd name="adj2" fmla="val -55627"/>
             </a:avLst>
           </a:prstGeom>
         </p:spPr>
@@ -5018,12 +4975,12 @@
         </p:nvSpPr>
         <p:spPr>
           <a:xfrm>
-            <a:off x="6254497" y="2576322"/>
-            <a:ext cx="1865376" cy="749808"/>
+            <a:off x="6528816" y="2576322"/>
+            <a:ext cx="1533144" cy="749808"/>
           </a:xfrm>
           <a:prstGeom prst="wedgeRectCallout">
             <a:avLst>
-              <a:gd name="adj1" fmla="val 24266"/>
+              <a:gd name="adj1" fmla="val 23117"/>
               <a:gd name="adj2" fmla="val -82623"/>
             </a:avLst>
           </a:prstGeom>
@@ -5085,13 +5042,13 @@
         </p:nvSpPr>
         <p:spPr>
           <a:xfrm>
-            <a:off x="6265164" y="3501009"/>
-            <a:ext cx="1865376" cy="749808"/>
+            <a:off x="6506718" y="3320151"/>
+            <a:ext cx="1699259" cy="749808"/>
           </a:xfrm>
           <a:prstGeom prst="wedgeRectCallout">
             <a:avLst>
-              <a:gd name="adj1" fmla="val 40442"/>
-              <a:gd name="adj2" fmla="val -193598"/>
+              <a:gd name="adj1" fmla="val 42594"/>
+              <a:gd name="adj2" fmla="val -174086"/>
             </a:avLst>
           </a:prstGeom>
         </p:spPr>
@@ -5152,13 +5109,13 @@
         </p:nvSpPr>
         <p:spPr>
           <a:xfrm>
-            <a:off x="4349495" y="3403854"/>
-            <a:ext cx="1865376" cy="868680"/>
+            <a:off x="4825747" y="3076802"/>
+            <a:ext cx="1719072" cy="868680"/>
           </a:xfrm>
           <a:prstGeom prst="wedgeRectCallout">
             <a:avLst>
-              <a:gd name="adj1" fmla="val 103677"/>
-              <a:gd name="adj2" fmla="val -183855"/>
+              <a:gd name="adj1" fmla="val 92330"/>
+              <a:gd name="adj2" fmla="val -138592"/>
             </a:avLst>
           </a:prstGeom>
         </p:spPr>
@@ -5263,6 +5220,135 @@
             <a:r>
               <a:rPr lang="en-US" altLang="ja-JP" dirty="0"/>
               <a:t>VCO</a:t>
+            </a:r>
+            <a:r>
+              <a:rPr lang="ja-JP" altLang="en-US" dirty="0"/>
+              <a:t>回路</a:t>
+            </a:r>
+            <a:endParaRPr kumimoji="1" lang="ja-JP" altLang="en-US" dirty="0"/>
+          </a:p>
+        </p:txBody>
+      </p:sp>
+      <p:sp>
+        <p:nvSpPr>
+          <p:cNvPr id="2" name="吹き出し: 四角形 1">
+            <a:extLst>
+              <a:ext uri="{FF2B5EF4-FFF2-40B4-BE49-F238E27FC236}">
+                <a16:creationId xmlns:a16="http://schemas.microsoft.com/office/drawing/2014/main" id="{3F28E29B-6C51-FD01-24F7-7E17924019E4}"/>
+              </a:ext>
+            </a:extLst>
+          </p:cNvPr>
+          <p:cNvSpPr/>
+          <p:nvPr/>
+        </p:nvSpPr>
+        <p:spPr>
+          <a:xfrm>
+            <a:off x="1693164" y="4862204"/>
+            <a:ext cx="2079498" cy="749808"/>
+          </a:xfrm>
+          <a:prstGeom prst="wedgeRectCallout">
+            <a:avLst>
+              <a:gd name="adj1" fmla="val 92160"/>
+              <a:gd name="adj2" fmla="val -60191"/>
+            </a:avLst>
+          </a:prstGeom>
+        </p:spPr>
+        <p:style>
+          <a:lnRef idx="1">
+            <a:schemeClr val="accent6"/>
+          </a:lnRef>
+          <a:fillRef idx="2">
+            <a:schemeClr val="accent6"/>
+          </a:fillRef>
+          <a:effectRef idx="1">
+            <a:schemeClr val="accent6"/>
+          </a:effectRef>
+          <a:fontRef idx="minor">
+            <a:schemeClr val="dk1"/>
+          </a:fontRef>
+        </p:style>
+        <p:txBody>
+          <a:bodyPr rtlCol="0" anchor="ctr"/>
+          <a:lstStyle/>
+          <a:p>
+            <a:pPr algn="ctr"/>
+            <a:r>
+              <a:rPr kumimoji="1" lang="en-US" altLang="ja-JP" dirty="0"/>
+              <a:t>3zki</a:t>
+            </a:r>
+            <a:r>
+              <a:rPr kumimoji="1" lang="ja-JP" altLang="en-US" dirty="0"/>
+              <a:t>作</a:t>
+            </a:r>
+            <a:endParaRPr kumimoji="1" lang="en-US" altLang="ja-JP" dirty="0"/>
+          </a:p>
+          <a:p>
+            <a:pPr algn="ctr"/>
+            <a:r>
+              <a:rPr kumimoji="1" lang="ja-JP" altLang="en-US" dirty="0"/>
+              <a:t>クロックダブラー</a:t>
+            </a:r>
+          </a:p>
+        </p:txBody>
+      </p:sp>
+      <p:sp>
+        <p:nvSpPr>
+          <p:cNvPr id="18" name="吹き出し: 四角形 17">
+            <a:extLst>
+              <a:ext uri="{FF2B5EF4-FFF2-40B4-BE49-F238E27FC236}">
+                <a16:creationId xmlns:a16="http://schemas.microsoft.com/office/drawing/2014/main" id="{3D3F18F3-87F6-5D3E-0877-CF51BDE5850A}"/>
+              </a:ext>
+            </a:extLst>
+          </p:cNvPr>
+          <p:cNvSpPr/>
+          <p:nvPr/>
+        </p:nvSpPr>
+        <p:spPr>
+          <a:xfrm>
+            <a:off x="6279642" y="4072508"/>
+            <a:ext cx="1865376" cy="749808"/>
+          </a:xfrm>
+          <a:prstGeom prst="wedgeRectCallout">
+            <a:avLst>
+              <a:gd name="adj1" fmla="val 40932"/>
+              <a:gd name="adj2" fmla="val 144208"/>
+            </a:avLst>
+          </a:prstGeom>
+        </p:spPr>
+        <p:style>
+          <a:lnRef idx="1">
+            <a:schemeClr val="accent2"/>
+          </a:lnRef>
+          <a:fillRef idx="2">
+            <a:schemeClr val="accent2"/>
+          </a:fillRef>
+          <a:effectRef idx="1">
+            <a:schemeClr val="accent2"/>
+          </a:effectRef>
+          <a:fontRef idx="minor">
+            <a:schemeClr val="dk1"/>
+          </a:fontRef>
+        </p:style>
+        <p:txBody>
+          <a:bodyPr rtlCol="0" anchor="ctr"/>
+          <a:lstStyle/>
+          <a:p>
+            <a:pPr algn="ctr"/>
+            <a:r>
+              <a:rPr kumimoji="1" lang="en-US" altLang="ja-JP" dirty="0"/>
+              <a:t>yato-Neco</a:t>
+            </a:r>
+            <a:r>
+              <a:rPr kumimoji="1" lang="ja-JP" altLang="en-US" dirty="0"/>
+              <a:t>作</a:t>
+            </a:r>
+            <a:endParaRPr kumimoji="1" lang="en-US" altLang="ja-JP" dirty="0"/>
+          </a:p>
+          <a:p>
+            <a:pPr algn="ctr"/>
+            <a:r>
+              <a:rPr lang="en-US" altLang="ja-JP" dirty="0"/>
+              <a:t>Inverter</a:t>
             </a:r>
             <a:r>
               <a:rPr lang="ja-JP" altLang="en-US" dirty="0"/>

--- a/Submitted/all_members_layout.gds.pptx
+++ b/Submitted/all_members_layout.gds.pptx
@@ -6,6 +6,7 @@
   </p:sldMasterIdLst>
   <p:sldIdLst>
     <p:sldId id="256" r:id="rId2"/>
+    <p:sldId id="257" r:id="rId3"/>
   </p:sldIdLst>
   <p:sldSz cx="12192000" cy="6858000"/>
   <p:notesSz cx="6858000" cy="9144000"/>
@@ -115,7 +116,7 @@
 <file path=ppt/revisionInfo.xml><?xml version="1.0" encoding="utf-8"?>
 <p1510:revInfo xmlns:a="http://schemas.openxmlformats.org/drawingml/2006/main" xmlns:r="http://schemas.openxmlformats.org/officeDocument/2006/relationships" xmlns:p1510="http://schemas.microsoft.com/office/powerpoint/2015/10/main">
   <p1510:revLst>
-    <p1510:client id="{0D468939-C473-42F4-B7BF-FD9FD8C90BA5}" v="36" dt="2024-08-13T15:23:22.952"/>
+    <p1510:client id="{0D468939-C473-42F4-B7BF-FD9FD8C90BA5}" v="38" dt="2024-08-14T12:20:29.079"/>
   </p1510:revLst>
 </p1510:revInfo>
 </file>
@@ -124,8 +125,8 @@
 <pc:chgInfo xmlns:a="http://schemas.openxmlformats.org/drawingml/2006/main" xmlns:r="http://schemas.openxmlformats.org/officeDocument/2006/relationships" xmlns:ac="http://schemas.microsoft.com/office/drawing/2013/main/command" xmlns:pc="http://schemas.microsoft.com/office/powerpoint/2013/main/command">
   <pc:docChgLst>
     <pc:chgData name="Noritsuna Imamura" userId="5b2da16fa1785921" providerId="LiveId" clId="{0D468939-C473-42F4-B7BF-FD9FD8C90BA5}"/>
-    <pc:docChg chg="undo custSel addSld modSld">
-      <pc:chgData name="Noritsuna Imamura" userId="5b2da16fa1785921" providerId="LiveId" clId="{0D468939-C473-42F4-B7BF-FD9FD8C90BA5}" dt="2024-08-13T15:29:16.790" v="344" actId="14100"/>
+    <pc:docChg chg="undo custSel addSld delSld modSld sldOrd">
+      <pc:chgData name="Noritsuna Imamura" userId="5b2da16fa1785921" providerId="LiveId" clId="{0D468939-C473-42F4-B7BF-FD9FD8C90BA5}" dt="2024-08-14T12:19:53.614" v="405" actId="47"/>
       <pc:docMkLst>
         <pc:docMk/>
       </pc:docMkLst>
@@ -357,6 +358,84 @@
             <pc:docMk/>
             <pc:sldMk cId="2490710203" sldId="256"/>
             <ac:picMk id="5" creationId="{99AA6B30-BDBA-87C9-DFDB-AD244C73C548}"/>
+          </ac:picMkLst>
+        </pc:picChg>
+      </pc:sldChg>
+      <pc:sldChg chg="addSp delSp modSp new mod ord">
+        <pc:chgData name="Noritsuna Imamura" userId="5b2da16fa1785921" providerId="LiveId" clId="{0D468939-C473-42F4-B7BF-FD9FD8C90BA5}" dt="2024-08-14T12:19:51.393" v="404"/>
+        <pc:sldMkLst>
+          <pc:docMk/>
+          <pc:sldMk cId="335451174" sldId="257"/>
+        </pc:sldMkLst>
+        <pc:spChg chg="del">
+          <ac:chgData name="Noritsuna Imamura" userId="5b2da16fa1785921" providerId="LiveId" clId="{0D468939-C473-42F4-B7BF-FD9FD8C90BA5}" dt="2024-08-14T08:27:57.838" v="349" actId="478"/>
+          <ac:spMkLst>
+            <pc:docMk/>
+            <pc:sldMk cId="335451174" sldId="257"/>
+            <ac:spMk id="2" creationId="{61748C73-BFCE-6DB5-4D3B-1CB948EE24EB}"/>
+          </ac:spMkLst>
+        </pc:spChg>
+        <pc:spChg chg="del">
+          <ac:chgData name="Noritsuna Imamura" userId="5b2da16fa1785921" providerId="LiveId" clId="{0D468939-C473-42F4-B7BF-FD9FD8C90BA5}" dt="2024-08-14T08:27:52.032" v="346" actId="931"/>
+          <ac:spMkLst>
+            <pc:docMk/>
+            <pc:sldMk cId="335451174" sldId="257"/>
+            <ac:spMk id="3" creationId="{1947924F-8170-9B40-4A31-939089275CC2}"/>
+          </ac:spMkLst>
+        </pc:spChg>
+        <pc:spChg chg="add mod">
+          <ac:chgData name="Noritsuna Imamura" userId="5b2da16fa1785921" providerId="LiveId" clId="{0D468939-C473-42F4-B7BF-FD9FD8C90BA5}" dt="2024-08-14T08:28:36.601" v="358" actId="14100"/>
+          <ac:spMkLst>
+            <pc:docMk/>
+            <pc:sldMk cId="335451174" sldId="257"/>
+            <ac:spMk id="6" creationId="{FB40A808-9571-2960-8ECF-2EA3EB1859EC}"/>
+          </ac:spMkLst>
+        </pc:spChg>
+        <pc:picChg chg="add mod">
+          <ac:chgData name="Noritsuna Imamura" userId="5b2da16fa1785921" providerId="LiveId" clId="{0D468939-C473-42F4-B7BF-FD9FD8C90BA5}" dt="2024-08-14T08:28:07.273" v="352" actId="14100"/>
+          <ac:picMkLst>
+            <pc:docMk/>
+            <pc:sldMk cId="335451174" sldId="257"/>
+            <ac:picMk id="5" creationId="{C22BFECF-44B4-CEF2-7C99-25F5B482BEB0}"/>
+          </ac:picMkLst>
+        </pc:picChg>
+      </pc:sldChg>
+      <pc:sldChg chg="addSp delSp modSp new del mod ord">
+        <pc:chgData name="Noritsuna Imamura" userId="5b2da16fa1785921" providerId="LiveId" clId="{0D468939-C473-42F4-B7BF-FD9FD8C90BA5}" dt="2024-08-14T12:19:53.614" v="405" actId="47"/>
+        <pc:sldMkLst>
+          <pc:docMk/>
+          <pc:sldMk cId="1241730580" sldId="258"/>
+        </pc:sldMkLst>
+        <pc:spChg chg="del">
+          <ac:chgData name="Noritsuna Imamura" userId="5b2da16fa1785921" providerId="LiveId" clId="{0D468939-C473-42F4-B7BF-FD9FD8C90BA5}" dt="2024-08-14T09:13:02.683" v="363" actId="478"/>
+          <ac:spMkLst>
+            <pc:docMk/>
+            <pc:sldMk cId="1241730580" sldId="258"/>
+            <ac:spMk id="2" creationId="{50838501-3155-8603-5177-EF8772058B4C}"/>
+          </ac:spMkLst>
+        </pc:spChg>
+        <pc:spChg chg="del">
+          <ac:chgData name="Noritsuna Imamura" userId="5b2da16fa1785921" providerId="LiveId" clId="{0D468939-C473-42F4-B7BF-FD9FD8C90BA5}" dt="2024-08-14T09:12:59.069" v="360" actId="22"/>
+          <ac:spMkLst>
+            <pc:docMk/>
+            <pc:sldMk cId="1241730580" sldId="258"/>
+            <ac:spMk id="3" creationId="{C9D98677-617F-528C-3B0A-283A2F9D95D9}"/>
+          </ac:spMkLst>
+        </pc:spChg>
+        <pc:spChg chg="add mod">
+          <ac:chgData name="Noritsuna Imamura" userId="5b2da16fa1785921" providerId="LiveId" clId="{0D468939-C473-42F4-B7BF-FD9FD8C90BA5}" dt="2024-08-14T09:13:43.407" v="402" actId="20577"/>
+          <ac:spMkLst>
+            <pc:docMk/>
+            <pc:sldMk cId="1241730580" sldId="258"/>
+            <ac:spMk id="6" creationId="{BFF168AB-89BC-9AF7-1BA0-F1777948C8FB}"/>
+          </ac:spMkLst>
+        </pc:spChg>
+        <pc:picChg chg="add mod ord">
+          <ac:chgData name="Noritsuna Imamura" userId="5b2da16fa1785921" providerId="LiveId" clId="{0D468939-C473-42F4-B7BF-FD9FD8C90BA5}" dt="2024-08-14T09:13:08.841" v="366" actId="1076"/>
+          <ac:picMkLst>
+            <pc:docMk/>
+            <pc:sldMk cId="1241730580" sldId="258"/>
+            <ac:picMk id="5" creationId="{3AD37F8E-45C2-BD8E-6EFD-02EC2FD06DC9}"/>
           </ac:picMkLst>
         </pc:picChg>
       </pc:sldChg>
@@ -5206,7 +5285,7 @@
           <a:p>
             <a:pPr algn="ctr"/>
             <a:r>
-              <a:rPr kumimoji="1" lang="en-US" altLang="ja-JP" dirty="0" err="1"/>
+              <a:rPr kumimoji="1" lang="en-US" altLang="ja-JP" dirty="0"/>
               <a:t>Sinby</a:t>
             </a:r>
             <a:r>
@@ -5362,6 +5441,123 @@
     <p:extLst>
       <p:ext uri="{BB962C8B-B14F-4D97-AF65-F5344CB8AC3E}">
         <p14:creationId xmlns:p14="http://schemas.microsoft.com/office/powerpoint/2010/main" val="2490710203"/>
+      </p:ext>
+    </p:extLst>
+  </p:cSld>
+  <p:clrMapOvr>
+    <a:masterClrMapping/>
+  </p:clrMapOvr>
+</p:sld>
+</file>
+
+<file path=ppt/slides/slide2.xml><?xml version="1.0" encoding="utf-8"?>
+<p:sld xmlns:a="http://schemas.openxmlformats.org/drawingml/2006/main" xmlns:r="http://schemas.openxmlformats.org/officeDocument/2006/relationships" xmlns:p="http://schemas.openxmlformats.org/presentationml/2006/main">
+  <p:cSld>
+    <p:spTree>
+      <p:nvGrpSpPr>
+        <p:cNvPr id="1" name=""/>
+        <p:cNvGrpSpPr/>
+        <p:nvPr/>
+      </p:nvGrpSpPr>
+      <p:grpSpPr>
+        <a:xfrm>
+          <a:off x="0" y="0"/>
+          <a:ext cx="0" cy="0"/>
+          <a:chOff x="0" y="0"/>
+          <a:chExt cx="0" cy="0"/>
+        </a:xfrm>
+      </p:grpSpPr>
+      <p:pic>
+        <p:nvPicPr>
+          <p:cNvPr id="5" name="コンテンツ プレースホルダー 4" descr="コンピューターの画面&#10;&#10;自動的に生成された説明">
+            <a:extLst>
+              <a:ext uri="{FF2B5EF4-FFF2-40B4-BE49-F238E27FC236}">
+                <a16:creationId xmlns:a16="http://schemas.microsoft.com/office/drawing/2014/main" id="{C22BFECF-44B4-CEF2-7C99-25F5B482BEB0}"/>
+              </a:ext>
+            </a:extLst>
+          </p:cNvPr>
+          <p:cNvPicPr>
+            <a:picLocks noGrp="1" noChangeAspect="1"/>
+          </p:cNvPicPr>
+          <p:nvPr>
+            <p:ph idx="1"/>
+          </p:nvPr>
+        </p:nvPicPr>
+        <p:blipFill>
+          <a:blip r:embed="rId2">
+            <a:extLst>
+              <a:ext uri="{28A0092B-C50C-407E-A947-70E740481C1C}">
+                <a14:useLocalDpi xmlns:a14="http://schemas.microsoft.com/office/drawing/2010/main" val="0"/>
+              </a:ext>
+            </a:extLst>
+          </a:blip>
+          <a:stretch>
+            <a:fillRect/>
+          </a:stretch>
+        </p:blipFill>
+        <p:spPr>
+          <a:xfrm>
+            <a:off x="336332" y="252248"/>
+            <a:ext cx="11009596" cy="6605758"/>
+          </a:xfrm>
+        </p:spPr>
+      </p:pic>
+      <p:sp>
+        <p:nvSpPr>
+          <p:cNvPr id="6" name="楕円 5">
+            <a:extLst>
+              <a:ext uri="{FF2B5EF4-FFF2-40B4-BE49-F238E27FC236}">
+                <a16:creationId xmlns:a16="http://schemas.microsoft.com/office/drawing/2014/main" id="{FB40A808-9571-2960-8ECF-2EA3EB1859EC}"/>
+              </a:ext>
+            </a:extLst>
+          </p:cNvPr>
+          <p:cNvSpPr/>
+          <p:nvPr/>
+        </p:nvSpPr>
+        <p:spPr>
+          <a:xfrm>
+            <a:off x="5475890" y="1947671"/>
+            <a:ext cx="1345324" cy="521209"/>
+          </a:xfrm>
+          <a:prstGeom prst="ellipse">
+            <a:avLst/>
+          </a:prstGeom>
+          <a:noFill/>
+          <a:ln>
+            <a:solidFill>
+              <a:srgbClr val="FF0000"/>
+            </a:solidFill>
+          </a:ln>
+        </p:spPr>
+        <p:style>
+          <a:lnRef idx="2">
+            <a:schemeClr val="accent1">
+              <a:shade val="15000"/>
+            </a:schemeClr>
+          </a:lnRef>
+          <a:fillRef idx="1">
+            <a:schemeClr val="accent1"/>
+          </a:fillRef>
+          <a:effectRef idx="0">
+            <a:schemeClr val="accent1"/>
+          </a:effectRef>
+          <a:fontRef idx="minor">
+            <a:schemeClr val="lt1"/>
+          </a:fontRef>
+        </p:style>
+        <p:txBody>
+          <a:bodyPr rtlCol="0" anchor="ctr"/>
+          <a:lstStyle/>
+          <a:p>
+            <a:pPr algn="ctr"/>
+            <a:endParaRPr kumimoji="1" lang="ja-JP" altLang="en-US"/>
+          </a:p>
+        </p:txBody>
+      </p:sp>
+    </p:spTree>
+    <p:extLst>
+      <p:ext uri="{BB962C8B-B14F-4D97-AF65-F5344CB8AC3E}">
+        <p14:creationId xmlns:p14="http://schemas.microsoft.com/office/powerpoint/2010/main" val="335451174"/>
       </p:ext>
     </p:extLst>
   </p:cSld>
